--- a/MEAN Stack.pptx
+++ b/MEAN Stack.pptx
@@ -8,8 +8,11 @@
     <p:sldId id="256" r:id="rId2"/>
     <p:sldId id="257" r:id="rId3"/>
     <p:sldId id="258" r:id="rId4"/>
-    <p:sldId id="260" r:id="rId5"/>
-    <p:sldId id="259" r:id="rId6"/>
+    <p:sldId id="263" r:id="rId5"/>
+    <p:sldId id="261" r:id="rId6"/>
+    <p:sldId id="262" r:id="rId7"/>
+    <p:sldId id="260" r:id="rId8"/>
+    <p:sldId id="259" r:id="rId9"/>
   </p:sldIdLst>
   <p:sldSz cx="9144000" cy="6858000" type="screen4x3"/>
   <p:notesSz cx="6858000" cy="9144000"/>
@@ -286,6 +289,7 @@
           <a:p>
             <a:fld id="{12ECCECE-194E-4675-9663-0FA13A27DDBD}" type="datetimeFigureOut">
               <a:rPr lang="en-US" smtClean="0"/>
+              <a:pPr/>
               <a:t>4/28/2014</a:t>
             </a:fld>
             <a:endParaRPr lang="en-US"/>
@@ -333,6 +337,7 @@
           <a:p>
             <a:fld id="{0C52F502-F42B-4F47-94EF-5FFC0BC39BC0}" type="slidenum">
               <a:rPr lang="en-US" smtClean="0"/>
+              <a:pPr/>
               <a:t>‹#›</a:t>
             </a:fld>
             <a:endParaRPr lang="en-US"/>
@@ -456,6 +461,7 @@
           <a:p>
             <a:fld id="{12ECCECE-194E-4675-9663-0FA13A27DDBD}" type="datetimeFigureOut">
               <a:rPr lang="en-US" smtClean="0"/>
+              <a:pPr/>
               <a:t>4/28/2014</a:t>
             </a:fld>
             <a:endParaRPr lang="en-US"/>
@@ -498,6 +504,7 @@
           <a:p>
             <a:fld id="{0C52F502-F42B-4F47-94EF-5FFC0BC39BC0}" type="slidenum">
               <a:rPr lang="en-US" smtClean="0"/>
+              <a:pPr/>
               <a:t>‹#›</a:t>
             </a:fld>
             <a:endParaRPr lang="en-US"/>
@@ -631,6 +638,7 @@
           <a:p>
             <a:fld id="{12ECCECE-194E-4675-9663-0FA13A27DDBD}" type="datetimeFigureOut">
               <a:rPr lang="en-US" smtClean="0"/>
+              <a:pPr/>
               <a:t>4/28/2014</a:t>
             </a:fld>
             <a:endParaRPr lang="en-US"/>
@@ -673,6 +681,7 @@
           <a:p>
             <a:fld id="{0C52F502-F42B-4F47-94EF-5FFC0BC39BC0}" type="slidenum">
               <a:rPr lang="en-US" smtClean="0"/>
+              <a:pPr/>
               <a:t>‹#›</a:t>
             </a:fld>
             <a:endParaRPr lang="en-US"/>
@@ -796,6 +805,7 @@
           <a:p>
             <a:fld id="{12ECCECE-194E-4675-9663-0FA13A27DDBD}" type="datetimeFigureOut">
               <a:rPr lang="en-US" smtClean="0"/>
+              <a:pPr/>
               <a:t>4/28/2014</a:t>
             </a:fld>
             <a:endParaRPr lang="en-US"/>
@@ -848,6 +858,7 @@
           <a:p>
             <a:fld id="{0C52F502-F42B-4F47-94EF-5FFC0BC39BC0}" type="slidenum">
               <a:rPr lang="en-US" smtClean="0"/>
+              <a:pPr/>
               <a:t>‹#›</a:t>
             </a:fld>
             <a:endParaRPr lang="en-US"/>
@@ -1030,6 +1041,7 @@
           <a:p>
             <a:fld id="{12ECCECE-194E-4675-9663-0FA13A27DDBD}" type="datetimeFigureOut">
               <a:rPr lang="en-US" smtClean="0"/>
+              <a:pPr/>
               <a:t>4/28/2014</a:t>
             </a:fld>
             <a:endParaRPr lang="en-US"/>
@@ -1072,6 +1084,7 @@
           <a:p>
             <a:fld id="{0C52F502-F42B-4F47-94EF-5FFC0BC39BC0}" type="slidenum">
               <a:rPr lang="en-US" smtClean="0"/>
+              <a:pPr/>
               <a:t>‹#›</a:t>
             </a:fld>
             <a:endParaRPr lang="en-US"/>
@@ -1326,6 +1339,7 @@
           <a:p>
             <a:fld id="{12ECCECE-194E-4675-9663-0FA13A27DDBD}" type="datetimeFigureOut">
               <a:rPr lang="en-US" smtClean="0"/>
+              <a:pPr/>
               <a:t>4/28/2014</a:t>
             </a:fld>
             <a:endParaRPr lang="en-US"/>
@@ -1368,6 +1382,7 @@
           <a:p>
             <a:fld id="{0C52F502-F42B-4F47-94EF-5FFC0BC39BC0}" type="slidenum">
               <a:rPr lang="en-US" smtClean="0"/>
+              <a:pPr/>
               <a:t>‹#›</a:t>
             </a:fld>
             <a:endParaRPr lang="en-US"/>
@@ -1710,6 +1725,7 @@
           <a:p>
             <a:fld id="{12ECCECE-194E-4675-9663-0FA13A27DDBD}" type="datetimeFigureOut">
               <a:rPr lang="en-US" smtClean="0"/>
+              <a:pPr/>
               <a:t>4/28/2014</a:t>
             </a:fld>
             <a:endParaRPr lang="en-US"/>
@@ -1757,6 +1773,7 @@
           <a:p>
             <a:fld id="{0C52F502-F42B-4F47-94EF-5FFC0BC39BC0}" type="slidenum">
               <a:rPr lang="en-US" smtClean="0"/>
+              <a:pPr/>
               <a:t>‹#›</a:t>
             </a:fld>
             <a:endParaRPr lang="en-US"/>
@@ -1883,6 +1900,7 @@
           <a:p>
             <a:fld id="{12ECCECE-194E-4675-9663-0FA13A27DDBD}" type="datetimeFigureOut">
               <a:rPr lang="en-US" smtClean="0"/>
+              <a:pPr/>
               <a:t>4/28/2014</a:t>
             </a:fld>
             <a:endParaRPr lang="en-US"/>
@@ -1925,6 +1943,7 @@
           <a:p>
             <a:fld id="{0C52F502-F42B-4F47-94EF-5FFC0BC39BC0}" type="slidenum">
               <a:rPr lang="en-US" smtClean="0"/>
+              <a:pPr/>
               <a:t>‹#›</a:t>
             </a:fld>
             <a:endParaRPr lang="en-US"/>
@@ -1973,6 +1992,7 @@
           <a:p>
             <a:fld id="{12ECCECE-194E-4675-9663-0FA13A27DDBD}" type="datetimeFigureOut">
               <a:rPr lang="en-US" smtClean="0"/>
+              <a:pPr/>
               <a:t>4/28/2014</a:t>
             </a:fld>
             <a:endParaRPr lang="en-US"/>
@@ -2015,6 +2035,7 @@
           <a:p>
             <a:fld id="{0C52F502-F42B-4F47-94EF-5FFC0BC39BC0}" type="slidenum">
               <a:rPr lang="en-US" smtClean="0"/>
+              <a:pPr/>
               <a:t>‹#›</a:t>
             </a:fld>
             <a:endParaRPr lang="en-US"/>
@@ -2268,6 +2289,7 @@
           <a:p>
             <a:fld id="{12ECCECE-194E-4675-9663-0FA13A27DDBD}" type="datetimeFigureOut">
               <a:rPr lang="en-US" smtClean="0"/>
+              <a:pPr/>
               <a:t>4/28/2014</a:t>
             </a:fld>
             <a:endParaRPr lang="en-US"/>
@@ -2310,6 +2332,7 @@
           <a:p>
             <a:fld id="{0C52F502-F42B-4F47-94EF-5FFC0BC39BC0}" type="slidenum">
               <a:rPr lang="en-US" smtClean="0"/>
+              <a:pPr/>
               <a:t>‹#›</a:t>
             </a:fld>
             <a:endParaRPr lang="en-US"/>
@@ -2402,6 +2425,7 @@
           <a:p>
             <a:fld id="{12ECCECE-194E-4675-9663-0FA13A27DDBD}" type="datetimeFigureOut">
               <a:rPr lang="en-US" smtClean="0"/>
+              <a:pPr/>
               <a:t>4/28/2014</a:t>
             </a:fld>
             <a:endParaRPr lang="en-US"/>
@@ -2444,6 +2468,7 @@
           <a:p>
             <a:fld id="{0C52F502-F42B-4F47-94EF-5FFC0BC39BC0}" type="slidenum">
               <a:rPr lang="en-US" smtClean="0"/>
+              <a:pPr/>
               <a:t>‹#›</a:t>
             </a:fld>
             <a:endParaRPr lang="en-US"/>
@@ -2705,6 +2730,7 @@
           <a:p>
             <a:fld id="{12ECCECE-194E-4675-9663-0FA13A27DDBD}" type="datetimeFigureOut">
               <a:rPr lang="en-US" smtClean="0"/>
+              <a:pPr/>
               <a:t>4/28/2014</a:t>
             </a:fld>
             <a:endParaRPr lang="en-US"/>
@@ -2783,6 +2809,7 @@
           <a:p>
             <a:fld id="{0C52F502-F42B-4F47-94EF-5FFC0BC39BC0}" type="slidenum">
               <a:rPr lang="en-US" smtClean="0"/>
+              <a:pPr/>
               <a:t>‹#›</a:t>
             </a:fld>
             <a:endParaRPr lang="en-US"/>
@@ -3279,7 +3306,9 @@
         </p:nvSpPr>
         <p:spPr/>
         <p:txBody>
-          <a:bodyPr/>
+          <a:bodyPr>
+            <a:normAutofit fontScale="77500" lnSpcReduction="20000"/>
+          </a:bodyPr>
           <a:lstStyle/>
           <a:p>
             <a:r>
@@ -3292,11 +3321,7 @@
             </a:r>
             <a:r>
               <a:rPr lang="en-US" dirty="0" smtClean="0"/>
-              <a:t> </a:t>
-            </a:r>
-            <a:r>
-              <a:rPr lang="en-US" dirty="0" smtClean="0"/>
-              <a:t>CR – </a:t>
+              <a:t> CR – </a:t>
             </a:r>
             <a:r>
               <a:rPr lang="en-US" dirty="0" err="1" smtClean="0"/>
@@ -3312,17 +3337,14 @@
               <a:rPr lang="en-US" dirty="0" smtClean="0">
                 <a:hlinkClick r:id="rId2"/>
               </a:rPr>
-              <a:t>https://</a:t>
-            </a:r>
-            <a:r>
-              <a:rPr lang="en-US" dirty="0" smtClean="0">
-                <a:hlinkClick r:id="rId2"/>
-              </a:rPr>
-              <a:t>github.com/carlosescalante</a:t>
-            </a:r>
-            <a:r>
-              <a:rPr lang="en-US" dirty="0" smtClean="0"/>
-              <a:t> (get source code here!)</a:t>
+              <a:t>https://github.com/carlosescalante/mean-starter-kit</a:t>
+            </a:r>
+            <a:endParaRPr lang="en-US" dirty="0" smtClean="0"/>
+          </a:p>
+          <a:p>
+            <a:r>
+              <a:rPr lang="en-US" dirty="0" smtClean="0"/>
+              <a:t>(get source code and slides here!)</a:t>
             </a:r>
             <a:endParaRPr lang="en-US" dirty="0"/>
           </a:p>
@@ -3406,17 +3428,8 @@
           <a:p>
             <a:r>
               <a:rPr lang="en-US" dirty="0" smtClean="0"/>
-              <a:t>Node.js simple </a:t>
-            </a:r>
-            <a:r>
-              <a:rPr lang="en-US" dirty="0" smtClean="0"/>
-              <a:t>server ‘Hello World’ </a:t>
-            </a:r>
-            <a:r>
-              <a:rPr lang="en-US" dirty="0" smtClean="0"/>
-              <a:t>example(s)</a:t>
-            </a:r>
-            <a:endParaRPr lang="en-US" dirty="0" smtClean="0"/>
+              <a:t>Node.js simple server ‘Hello World’ example(s)</a:t>
+            </a:r>
           </a:p>
           <a:p>
             <a:r>
@@ -3429,7 +3442,6 @@
               <a:rPr lang="en-US" dirty="0" smtClean="0"/>
               <a:t>MEAN stack-based app tour</a:t>
             </a:r>
-            <a:endParaRPr lang="en-US" dirty="0" smtClean="0"/>
           </a:p>
           <a:p>
             <a:r>
@@ -3524,23 +3536,7 @@
             <a:pPr lvl="1"/>
             <a:r>
               <a:rPr lang="en-US" dirty="0" smtClean="0"/>
-              <a:t>“V8 </a:t>
-            </a:r>
-            <a:r>
-              <a:rPr lang="en-US" dirty="0" smtClean="0"/>
-              <a:t>is the JavaScript engine inside of node. It's a huge, high </a:t>
-            </a:r>
-            <a:r>
-              <a:rPr lang="en-US" dirty="0" smtClean="0"/>
-              <a:t>performance</a:t>
-            </a:r>
-            <a:r>
-              <a:rPr lang="en-US" dirty="0" smtClean="0"/>
-              <a:t>, VM written by very smart people. That is not what node is</a:t>
-            </a:r>
-            <a:r>
-              <a:rPr lang="en-US" dirty="0" smtClean="0"/>
-              <a:t>.”</a:t>
+              <a:t>“V8 is the JavaScript engine inside of node. It's a huge, high performance, VM written by very smart people. That is not what node is.”</a:t>
             </a:r>
           </a:p>
           <a:p>
@@ -3551,15 +3547,7 @@
             <a:pPr lvl="1"/>
             <a:r>
               <a:rPr lang="en-US" dirty="0" smtClean="0"/>
-              <a:t>“Node </a:t>
-            </a:r>
-            <a:r>
-              <a:rPr lang="en-US" dirty="0" smtClean="0"/>
-              <a:t>is a set of libraries on top of V8. That uses its greatness to do networking things. The focus is doing networking </a:t>
-            </a:r>
-            <a:r>
-              <a:rPr lang="en-US" dirty="0" smtClean="0"/>
-              <a:t>correctly”.</a:t>
+              <a:t>“Node is a set of libraries on top of V8. That uses its greatness to do networking things. The focus is doing networking correctly”.</a:t>
             </a:r>
             <a:endParaRPr lang="en-US" dirty="0"/>
           </a:p>
@@ -3717,6 +3705,464 @@
           <a:p>
             <a:r>
               <a:rPr lang="en-US" dirty="0" smtClean="0"/>
+              <a:t>MEAN overview</a:t>
+            </a:r>
+            <a:endParaRPr lang="en-US" dirty="0"/>
+          </a:p>
+        </p:txBody>
+      </p:sp>
+      <p:sp>
+        <p:nvSpPr>
+          <p:cNvPr id="3" name="Content Placeholder 2"/>
+          <p:cNvSpPr>
+            <a:spLocks noGrp="1"/>
+          </p:cNvSpPr>
+          <p:nvPr>
+            <p:ph idx="1"/>
+          </p:nvPr>
+        </p:nvSpPr>
+        <p:spPr/>
+        <p:txBody>
+          <a:bodyPr>
+            <a:normAutofit/>
+          </a:bodyPr>
+          <a:lstStyle/>
+          <a:p>
+            <a:r>
+              <a:rPr lang="en-US" b="1" dirty="0" smtClean="0"/>
+              <a:t>What is MEAN</a:t>
+            </a:r>
+            <a:r>
+              <a:rPr lang="en-US" dirty="0" smtClean="0"/>
+              <a:t>?</a:t>
+            </a:r>
+          </a:p>
+          <a:p>
+            <a:pPr lvl="1"/>
+            <a:r>
+              <a:rPr lang="en-US" dirty="0" smtClean="0"/>
+              <a:t>MEAN (</a:t>
+            </a:r>
+            <a:r>
+              <a:rPr lang="en-US" dirty="0" err="1" smtClean="0"/>
+              <a:t>MongoDB</a:t>
+            </a:r>
+            <a:r>
+              <a:rPr lang="en-US" dirty="0" smtClean="0"/>
+              <a:t>/mongoose, Express.js, Angular.js and Node.js) is a</a:t>
+            </a:r>
+            <a:r>
+              <a:rPr lang="en-US" dirty="0" smtClean="0"/>
+              <a:t> </a:t>
+            </a:r>
+            <a:r>
+              <a:rPr lang="en-US" dirty="0" err="1" smtClean="0"/>
+              <a:t>fullstack</a:t>
+            </a:r>
+            <a:r>
+              <a:rPr lang="en-US" dirty="0" smtClean="0"/>
+              <a:t> </a:t>
+            </a:r>
+            <a:r>
+              <a:rPr lang="en-US" dirty="0" err="1" smtClean="0"/>
+              <a:t>javascript</a:t>
+            </a:r>
+            <a:r>
+              <a:rPr lang="en-US" dirty="0" smtClean="0"/>
+              <a:t> </a:t>
+            </a:r>
+            <a:r>
+              <a:rPr lang="en-US" dirty="0" smtClean="0"/>
+              <a:t>framework.</a:t>
+            </a:r>
+          </a:p>
+          <a:p>
+            <a:pPr lvl="1"/>
+            <a:r>
+              <a:rPr lang="en-US" dirty="0" smtClean="0"/>
+              <a:t>Both the client and server can be written in pure </a:t>
+            </a:r>
+            <a:r>
+              <a:rPr lang="en-US" dirty="0" err="1" smtClean="0"/>
+              <a:t>javascript</a:t>
+            </a:r>
+            <a:r>
+              <a:rPr lang="en-US" dirty="0" smtClean="0"/>
+              <a:t>.</a:t>
+            </a:r>
+          </a:p>
+          <a:p>
+            <a:pPr lvl="1"/>
+            <a:r>
+              <a:rPr lang="en-US" dirty="0" smtClean="0"/>
+              <a:t>Mongo provides DB persistence, Express is </a:t>
+            </a:r>
+            <a:r>
+              <a:rPr lang="en-US" dirty="0" smtClean="0"/>
+              <a:t>a </a:t>
+            </a:r>
+            <a:r>
+              <a:rPr lang="en-US" dirty="0" smtClean="0"/>
+              <a:t>minimal and flexible node.js web application </a:t>
+            </a:r>
+            <a:r>
+              <a:rPr lang="en-US" dirty="0" smtClean="0"/>
+              <a:t>framework, </a:t>
+            </a:r>
+            <a:r>
+              <a:rPr lang="en-US" dirty="0" err="1" smtClean="0"/>
+              <a:t>AngularJS</a:t>
+            </a:r>
+            <a:r>
+              <a:rPr lang="en-US" dirty="0" smtClean="0"/>
+              <a:t> lets you extend HTML vocabulary for your </a:t>
+            </a:r>
+            <a:r>
+              <a:rPr lang="en-US" dirty="0" smtClean="0"/>
+              <a:t>application and, well, node.js…</a:t>
+            </a:r>
+            <a:endParaRPr lang="en-US" dirty="0" smtClean="0"/>
+          </a:p>
+        </p:txBody>
+      </p:sp>
+    </p:spTree>
+  </p:cSld>
+  <p:clrMapOvr>
+    <a:masterClrMapping/>
+  </p:clrMapOvr>
+  <p:timing>
+    <p:tnLst>
+      <p:par>
+        <p:cTn id="1" dur="indefinite" restart="never" nodeType="tmRoot"/>
+      </p:par>
+    </p:tnLst>
+  </p:timing>
+</p:sld>
+</file>
+
+<file path=ppt/slides/slide6.xml><?xml version="1.0" encoding="utf-8"?>
+<p:sld xmlns:a="http://schemas.openxmlformats.org/drawingml/2006/main" xmlns:r="http://schemas.openxmlformats.org/officeDocument/2006/relationships" xmlns:p="http://schemas.openxmlformats.org/presentationml/2006/main">
+  <p:cSld>
+    <p:spTree>
+      <p:nvGrpSpPr>
+        <p:cNvPr id="1" name=""/>
+        <p:cNvGrpSpPr/>
+        <p:nvPr/>
+      </p:nvGrpSpPr>
+      <p:grpSpPr>
+        <a:xfrm>
+          <a:off x="0" y="0"/>
+          <a:ext cx="0" cy="0"/>
+          <a:chOff x="0" y="0"/>
+          <a:chExt cx="0" cy="0"/>
+        </a:xfrm>
+      </p:grpSpPr>
+      <p:sp>
+        <p:nvSpPr>
+          <p:cNvPr id="2" name="Title 1"/>
+          <p:cNvSpPr>
+            <a:spLocks noGrp="1"/>
+          </p:cNvSpPr>
+          <p:nvPr>
+            <p:ph type="title"/>
+          </p:nvPr>
+        </p:nvSpPr>
+        <p:spPr/>
+        <p:txBody>
+          <a:bodyPr/>
+          <a:lstStyle/>
+          <a:p>
+            <a:r>
+              <a:rPr lang="en-US" dirty="0" smtClean="0"/>
+              <a:t>Get to Know the stack better…</a:t>
+            </a:r>
+            <a:endParaRPr lang="en-US" dirty="0"/>
+          </a:p>
+        </p:txBody>
+      </p:sp>
+      <p:sp>
+        <p:nvSpPr>
+          <p:cNvPr id="3" name="Content Placeholder 2"/>
+          <p:cNvSpPr>
+            <a:spLocks noGrp="1"/>
+          </p:cNvSpPr>
+          <p:nvPr>
+            <p:ph idx="1"/>
+          </p:nvPr>
+        </p:nvSpPr>
+        <p:spPr/>
+        <p:txBody>
+          <a:bodyPr/>
+          <a:lstStyle/>
+          <a:p>
+            <a:r>
+              <a:rPr lang="en-US" b="1" dirty="0" err="1" smtClean="0"/>
+              <a:t>MongoDB</a:t>
+            </a:r>
+            <a:r>
+              <a:rPr lang="en-US" b="1" dirty="0" smtClean="0"/>
+              <a:t> + Mongoose </a:t>
+            </a:r>
+            <a:r>
+              <a:rPr lang="en-US" dirty="0" smtClean="0"/>
+              <a:t>(</a:t>
+            </a:r>
+            <a:r>
+              <a:rPr lang="en-US" dirty="0" err="1" smtClean="0"/>
+              <a:t>javascript</a:t>
+            </a:r>
+            <a:r>
+              <a:rPr lang="en-US" dirty="0" smtClean="0"/>
+              <a:t> driver for mongo):</a:t>
+            </a:r>
+          </a:p>
+          <a:p>
+            <a:pPr lvl="1"/>
+            <a:r>
+              <a:rPr lang="en-US" dirty="0" smtClean="0">
+                <a:hlinkClick r:id="rId2"/>
+              </a:rPr>
+              <a:t>http://docs.mongodb.org/manual</a:t>
+            </a:r>
+            <a:r>
+              <a:rPr lang="en-US" dirty="0" smtClean="0">
+                <a:hlinkClick r:id="rId2"/>
+              </a:rPr>
+              <a:t>/</a:t>
+            </a:r>
+            <a:endParaRPr lang="en-US" dirty="0" smtClean="0"/>
+          </a:p>
+          <a:p>
+            <a:pPr lvl="1"/>
+            <a:r>
+              <a:rPr lang="en-US" dirty="0" smtClean="0">
+                <a:hlinkClick r:id="rId3"/>
+              </a:rPr>
+              <a:t>http://</a:t>
+            </a:r>
+            <a:r>
+              <a:rPr lang="en-US" dirty="0" smtClean="0">
+                <a:hlinkClick r:id="rId3"/>
+              </a:rPr>
+              <a:t>mongoosejs.com/docs/guide.html</a:t>
+            </a:r>
+            <a:endParaRPr lang="en-US" dirty="0" smtClean="0"/>
+          </a:p>
+          <a:p>
+            <a:r>
+              <a:rPr lang="en-US" b="1" dirty="0" err="1" smtClean="0"/>
+              <a:t>ExpressJS</a:t>
+            </a:r>
+            <a:r>
+              <a:rPr lang="en-US" dirty="0" smtClean="0"/>
+              <a:t>: </a:t>
+            </a:r>
+            <a:r>
+              <a:rPr lang="en-US" dirty="0" smtClean="0">
+                <a:hlinkClick r:id="rId4"/>
+              </a:rPr>
+              <a:t>http</a:t>
+            </a:r>
+            <a:r>
+              <a:rPr lang="en-US" dirty="0" smtClean="0">
+                <a:hlinkClick r:id="rId4"/>
+              </a:rPr>
+              <a:t>://</a:t>
+            </a:r>
+            <a:r>
+              <a:rPr lang="en-US" dirty="0" smtClean="0">
+                <a:hlinkClick r:id="rId4"/>
+              </a:rPr>
+              <a:t>expressjs.com/4x/api.html</a:t>
+            </a:r>
+            <a:endParaRPr lang="en-US" dirty="0" smtClean="0"/>
+          </a:p>
+          <a:p>
+            <a:r>
+              <a:rPr lang="en-US" b="1" dirty="0" err="1" smtClean="0"/>
+              <a:t>AngularJS</a:t>
+            </a:r>
+            <a:r>
+              <a:rPr lang="en-US" dirty="0" smtClean="0"/>
+              <a:t>: </a:t>
+            </a:r>
+            <a:r>
+              <a:rPr lang="en-US" dirty="0" smtClean="0">
+                <a:hlinkClick r:id="rId5"/>
+              </a:rPr>
+              <a:t>https://</a:t>
+            </a:r>
+            <a:r>
+              <a:rPr lang="en-US" dirty="0" smtClean="0">
+                <a:hlinkClick r:id="rId5"/>
+              </a:rPr>
+              <a:t>docs.angularjs.org/api</a:t>
+            </a:r>
+            <a:endParaRPr lang="en-US" dirty="0" smtClean="0"/>
+          </a:p>
+          <a:p>
+            <a:r>
+              <a:rPr lang="en-US" b="1" dirty="0" err="1" smtClean="0"/>
+              <a:t>NodeJS</a:t>
+            </a:r>
+            <a:r>
+              <a:rPr lang="en-US" dirty="0" smtClean="0"/>
+              <a:t>: </a:t>
+            </a:r>
+            <a:r>
+              <a:rPr lang="en-US" dirty="0" smtClean="0">
+                <a:hlinkClick r:id="rId6"/>
+              </a:rPr>
+              <a:t>http://nodejs.org/api</a:t>
+            </a:r>
+            <a:r>
+              <a:rPr lang="en-US" dirty="0" smtClean="0">
+                <a:hlinkClick r:id="rId6"/>
+              </a:rPr>
+              <a:t>/</a:t>
+            </a:r>
+            <a:endParaRPr lang="en-US" dirty="0" smtClean="0"/>
+          </a:p>
+          <a:p>
+            <a:endParaRPr lang="en-US" dirty="0" smtClean="0"/>
+          </a:p>
+        </p:txBody>
+      </p:sp>
+    </p:spTree>
+  </p:cSld>
+  <p:clrMapOvr>
+    <a:masterClrMapping/>
+  </p:clrMapOvr>
+  <p:timing>
+    <p:tnLst>
+      <p:par>
+        <p:cTn id="1" dur="indefinite" restart="never" nodeType="tmRoot"/>
+      </p:par>
+    </p:tnLst>
+  </p:timing>
+</p:sld>
+</file>
+
+<file path=ppt/slides/slide7.xml><?xml version="1.0" encoding="utf-8"?>
+<p:sld xmlns:a="http://schemas.openxmlformats.org/drawingml/2006/main" xmlns:r="http://schemas.openxmlformats.org/officeDocument/2006/relationships" xmlns:p="http://schemas.openxmlformats.org/presentationml/2006/main">
+  <p:cSld>
+    <p:spTree>
+      <p:nvGrpSpPr>
+        <p:cNvPr id="1" name=""/>
+        <p:cNvGrpSpPr/>
+        <p:nvPr/>
+      </p:nvGrpSpPr>
+      <p:grpSpPr>
+        <a:xfrm>
+          <a:off x="0" y="0"/>
+          <a:ext cx="0" cy="0"/>
+          <a:chOff x="0" y="0"/>
+          <a:chExt cx="0" cy="0"/>
+        </a:xfrm>
+      </p:grpSpPr>
+      <p:sp>
+        <p:nvSpPr>
+          <p:cNvPr id="2" name="Title 1"/>
+          <p:cNvSpPr>
+            <a:spLocks noGrp="1"/>
+          </p:cNvSpPr>
+          <p:nvPr>
+            <p:ph type="title"/>
+          </p:nvPr>
+        </p:nvSpPr>
+        <p:spPr/>
+        <p:txBody>
+          <a:bodyPr/>
+          <a:lstStyle/>
+          <a:p>
+            <a:endParaRPr lang="en-US" dirty="0"/>
+          </a:p>
+        </p:txBody>
+      </p:sp>
+      <p:sp>
+        <p:nvSpPr>
+          <p:cNvPr id="3" name="Content Placeholder 2"/>
+          <p:cNvSpPr>
+            <a:spLocks noGrp="1"/>
+          </p:cNvSpPr>
+          <p:nvPr>
+            <p:ph idx="1"/>
+          </p:nvPr>
+        </p:nvSpPr>
+        <p:spPr/>
+        <p:txBody>
+          <a:bodyPr/>
+          <a:lstStyle/>
+          <a:p>
+            <a:r>
+              <a:rPr lang="en-US" dirty="0" smtClean="0"/>
+              <a:t>Let’s write </a:t>
+            </a:r>
+            <a:r>
+              <a:rPr lang="en-US" smtClean="0"/>
+              <a:t>some </a:t>
+            </a:r>
+            <a:r>
+              <a:rPr lang="en-US" smtClean="0"/>
+              <a:t>more code</a:t>
+            </a:r>
+            <a:r>
+              <a:rPr lang="en-US" dirty="0" smtClean="0"/>
+              <a:t>!</a:t>
+            </a:r>
+            <a:endParaRPr lang="en-US" dirty="0"/>
+          </a:p>
+        </p:txBody>
+      </p:sp>
+    </p:spTree>
+  </p:cSld>
+  <p:clrMapOvr>
+    <a:masterClrMapping/>
+  </p:clrMapOvr>
+  <p:timing>
+    <p:tnLst>
+      <p:par>
+        <p:cTn id="1" dur="indefinite" restart="never" nodeType="tmRoot"/>
+      </p:par>
+    </p:tnLst>
+  </p:timing>
+</p:sld>
+</file>
+
+<file path=ppt/slides/slide8.xml><?xml version="1.0" encoding="utf-8"?>
+<p:sld xmlns:a="http://schemas.openxmlformats.org/drawingml/2006/main" xmlns:r="http://schemas.openxmlformats.org/officeDocument/2006/relationships" xmlns:p="http://schemas.openxmlformats.org/presentationml/2006/main">
+  <p:cSld>
+    <p:spTree>
+      <p:nvGrpSpPr>
+        <p:cNvPr id="1" name=""/>
+        <p:cNvGrpSpPr/>
+        <p:nvPr/>
+      </p:nvGrpSpPr>
+      <p:grpSpPr>
+        <a:xfrm>
+          <a:off x="0" y="0"/>
+          <a:ext cx="0" cy="0"/>
+          <a:chOff x="0" y="0"/>
+          <a:chExt cx="0" cy="0"/>
+        </a:xfrm>
+      </p:grpSpPr>
+      <p:sp>
+        <p:nvSpPr>
+          <p:cNvPr id="2" name="Title 1"/>
+          <p:cNvSpPr>
+            <a:spLocks noGrp="1"/>
+          </p:cNvSpPr>
+          <p:nvPr>
+            <p:ph type="title"/>
+          </p:nvPr>
+        </p:nvSpPr>
+        <p:spPr/>
+        <p:txBody>
+          <a:bodyPr/>
+          <a:lstStyle/>
+          <a:p>
+            <a:r>
+              <a:rPr lang="en-US" dirty="0" smtClean="0"/>
               <a:t>References – useful links</a:t>
             </a:r>
             <a:endParaRPr lang="en-US" dirty="0"/>
@@ -3752,13 +4198,7 @@
               <a:rPr lang="en-US" dirty="0" smtClean="0">
                 <a:hlinkClick r:id="rId2"/>
               </a:rPr>
-              <a:t>https://</a:t>
-            </a:r>
-            <a:r>
-              <a:rPr lang="en-US" dirty="0" smtClean="0">
-                <a:hlinkClick r:id="rId2"/>
-              </a:rPr>
-              <a:t>www.youtube.com/watch?v=jo_B4LTHi3I</a:t>
+              <a:t>https://www.youtube.com/watch?v=jo_B4LTHi3I</a:t>
             </a:r>
             <a:endParaRPr lang="en-US" dirty="0" smtClean="0"/>
           </a:p>
@@ -3775,19 +4215,7 @@
               <a:rPr lang="en-US" dirty="0" smtClean="0">
                 <a:hlinkClick r:id="rId3"/>
               </a:rPr>
-              <a:t>http</a:t>
-            </a:r>
-            <a:r>
-              <a:rPr lang="en-US" dirty="0" smtClean="0">
-                <a:hlinkClick r:id="rId3"/>
-              </a:rPr>
-              <a:t>://neilk.net/blog/2013/04/30/why-you-should-use-nodejs-for-CPU-bound-tasks</a:t>
-            </a:r>
-            <a:r>
-              <a:rPr lang="en-US" dirty="0" smtClean="0">
-                <a:hlinkClick r:id="rId3"/>
-              </a:rPr>
-              <a:t>/</a:t>
+              <a:t>http://neilk.net/blog/2013/04/30/why-you-should-use-nodejs-for-CPU-bound-tasks/</a:t>
             </a:r>
             <a:endParaRPr lang="en-US" dirty="0" smtClean="0">
               <a:hlinkClick r:id="rId4"/>
@@ -3806,19 +4234,7 @@
               <a:rPr lang="en-US" dirty="0" smtClean="0">
                 <a:hlinkClick r:id="rId4"/>
               </a:rPr>
-              <a:t>http</a:t>
-            </a:r>
-            <a:r>
-              <a:rPr lang="en-US" dirty="0" smtClean="0">
-                <a:hlinkClick r:id="rId4"/>
-              </a:rPr>
-              <a:t>://</a:t>
-            </a:r>
-            <a:r>
-              <a:rPr lang="en-US" dirty="0" smtClean="0">
-                <a:hlinkClick r:id="rId4"/>
-              </a:rPr>
-              <a:t>www.quora.com/Node-js/What-are-the-biggest-websites-built-with-Node-js-on-the-server-side</a:t>
+              <a:t>http://www.quora.com/Node-js/What-are-the-biggest-websites-built-with-Node-js-on-the-server-side</a:t>
             </a:r>
             <a:endParaRPr lang="en-US" dirty="0" smtClean="0"/>
           </a:p>
@@ -3837,29 +4253,13 @@
             </a:r>
             <a:r>
               <a:rPr lang="en-US" dirty="0" smtClean="0"/>
-              <a:t> is using </a:t>
-            </a:r>
-            <a:r>
-              <a:rPr lang="en-US" dirty="0" smtClean="0"/>
-              <a:t>Node.js  </a:t>
+              <a:t> is using Node.js  </a:t>
             </a:r>
             <a:r>
               <a:rPr lang="en-US" dirty="0" smtClean="0">
                 <a:hlinkClick r:id="rId5"/>
               </a:rPr>
-              <a:t>http</a:t>
-            </a:r>
-            <a:r>
-              <a:rPr lang="en-US" dirty="0" smtClean="0">
-                <a:hlinkClick r:id="rId5"/>
-              </a:rPr>
-              <a:t>://venturebeat.com/2012/01/24/why-walmart-is-using-node-js</a:t>
-            </a:r>
-            <a:r>
-              <a:rPr lang="en-US" dirty="0" smtClean="0">
-                <a:hlinkClick r:id="rId5"/>
-              </a:rPr>
-              <a:t>/</a:t>
+              <a:t>http://venturebeat.com/2012/01/24/why-walmart-is-using-node-js/</a:t>
             </a:r>
             <a:endParaRPr lang="en-US" dirty="0" smtClean="0"/>
           </a:p>
@@ -3870,33 +4270,13 @@
             </a:pPr>
             <a:r>
               <a:rPr lang="en-US" dirty="0" smtClean="0"/>
-              <a:t>Node </a:t>
-            </a:r>
-            <a:r>
-              <a:rPr lang="en-US" dirty="0" smtClean="0"/>
-              <a:t>at scale: What Google, Mozilla, &amp; Yahoo are doing with </a:t>
-            </a:r>
-            <a:r>
-              <a:rPr lang="en-US" dirty="0" smtClean="0"/>
-              <a:t>Node.js </a:t>
+              <a:t>Node at scale: What Google, Mozilla, &amp; Yahoo are doing with Node.js </a:t>
             </a:r>
             <a:r>
               <a:rPr lang="en-US" dirty="0" smtClean="0">
                 <a:hlinkClick r:id="rId6"/>
               </a:rPr>
-              <a:t>http</a:t>
-            </a:r>
-            <a:r>
-              <a:rPr lang="en-US" dirty="0" smtClean="0">
-                <a:hlinkClick r:id="rId6"/>
-              </a:rPr>
-              <a:t>://venturebeat.com/2012/01/24/node-at-google-mozilla-yahoo</a:t>
-            </a:r>
-            <a:r>
-              <a:rPr lang="en-US" dirty="0" smtClean="0">
-                <a:hlinkClick r:id="rId6"/>
-              </a:rPr>
-              <a:t>/</a:t>
+              <a:t>http://venturebeat.com/2012/01/24/node-at-google-mozilla-yahoo/</a:t>
             </a:r>
             <a:endParaRPr lang="en-US" dirty="0" smtClean="0"/>
           </a:p>
